--- a/王芊翔-模板-简洁.pptx
+++ b/王芊翔-模板-简洁.pptx
@@ -241,7 +241,7 @@
           <a:p>
             <a:fld id="{2DB400C3-5B65-4E77-B0DA-7C9AE212EEA9}" type="datetimeFigureOut">
               <a:rPr lang="zh-CN" altLang="en-US" smtClean="0"/>
-              <a:t>2025/12/31</a:t>
+              <a:t>2026/1/3</a:t>
             </a:fld>
             <a:endParaRPr lang="zh-CN" altLang="en-US"/>
           </a:p>
@@ -1009,7 +1009,7 @@
             <a:fld id="{0913FDBA-D011-4A12-B987-F96FF7FE29E7}" type="datetime1">
               <a:rPr lang="zh-CN" altLang="en-US" smtClean="0"/>
               <a:pPr/>
-              <a:t>2025/12/31</a:t>
+              <a:t>2026/1/3</a:t>
             </a:fld>
             <a:endParaRPr lang="zh-CN" altLang="en-US" dirty="0"/>
           </a:p>
@@ -1262,7 +1262,7 @@
             </a:pPr>
             <a:r>
               <a:rPr lang="zh-CN" altLang="en-US" dirty="0"/>
-              <a:t>第一栏，一级内容</a:t>
+              <a:t>单击此处添加第一栏，一级内容</a:t>
             </a:r>
           </a:p>
           <a:p>
@@ -1443,7 +1443,7 @@
             </a:pPr>
             <a:r>
               <a:rPr lang="zh-CN" altLang="en-US" dirty="0"/>
-              <a:t>第二栏，一级内容</a:t>
+              <a:t>单击此处添加第二栏，一级内容</a:t>
             </a:r>
           </a:p>
           <a:p>
@@ -1703,7 +1703,7 @@
             <a:fld id="{0913FDBA-D011-4A12-B987-F96FF7FE29E7}" type="datetime1">
               <a:rPr lang="zh-CN" altLang="en-US" smtClean="0"/>
               <a:pPr/>
-              <a:t>2025/12/31</a:t>
+              <a:t>2026/1/3</a:t>
             </a:fld>
             <a:endParaRPr lang="zh-CN" altLang="en-US" dirty="0"/>
           </a:p>
@@ -1943,7 +1943,7 @@
             </a:pPr>
             <a:r>
               <a:rPr lang="zh-CN" altLang="en-US" dirty="0"/>
-              <a:t>摘要</a:t>
+              <a:t>单击此处添加摘要</a:t>
             </a:r>
           </a:p>
         </p:txBody>
@@ -2060,7 +2060,7 @@
             </a:pPr>
             <a:r>
               <a:rPr lang="zh-CN" altLang="en-US" dirty="0"/>
-              <a:t>第一栏，一级内容</a:t>
+              <a:t>单击此处添加第一栏，一级内容</a:t>
             </a:r>
           </a:p>
           <a:p>
@@ -2205,7 +2205,7 @@
             </a:pPr>
             <a:r>
               <a:rPr lang="zh-CN" altLang="en-US" dirty="0"/>
-              <a:t>第二栏，一级内容</a:t>
+              <a:t>单击此处添加第二栏，一级内容</a:t>
             </a:r>
           </a:p>
           <a:p>
@@ -2437,7 +2437,7 @@
             <a:fld id="{0913FDBA-D011-4A12-B987-F96FF7FE29E7}" type="datetime1">
               <a:rPr lang="zh-CN" altLang="en-US" smtClean="0"/>
               <a:pPr/>
-              <a:t>2025/12/31</a:t>
+              <a:t>2026/1/3</a:t>
             </a:fld>
             <a:endParaRPr lang="zh-CN" altLang="en-US" dirty="0"/>
           </a:p>
@@ -2677,7 +2677,7 @@
             </a:pPr>
             <a:r>
               <a:rPr lang="zh-CN" altLang="en-US" dirty="0"/>
-              <a:t>摘要</a:t>
+              <a:t>单击此处添加摘要</a:t>
             </a:r>
           </a:p>
         </p:txBody>
@@ -2808,7 +2808,7 @@
             </a:pPr>
             <a:r>
               <a:rPr lang="zh-CN" altLang="en-US" dirty="0"/>
-              <a:t>第一栏，一级内容</a:t>
+              <a:t>单击此处添加第一栏，一级内容</a:t>
             </a:r>
           </a:p>
           <a:p>
@@ -2989,7 +2989,7 @@
             </a:pPr>
             <a:r>
               <a:rPr lang="zh-CN" altLang="en-US" dirty="0"/>
-              <a:t>第二栏，一级内容</a:t>
+              <a:t>单击此处添加第二栏，一级内容</a:t>
             </a:r>
           </a:p>
           <a:p>
@@ -3249,7 +3249,7 @@
             <a:fld id="{0913FDBA-D011-4A12-B987-F96FF7FE29E7}" type="datetime1">
               <a:rPr lang="zh-CN" altLang="en-US" smtClean="0"/>
               <a:pPr/>
-              <a:t>2025/12/31</a:t>
+              <a:t>2026/1/3</a:t>
             </a:fld>
             <a:endParaRPr lang="zh-CN" altLang="en-US" dirty="0"/>
           </a:p>
@@ -3489,7 +3489,7 @@
             </a:pPr>
             <a:r>
               <a:rPr lang="zh-CN" altLang="en-US" dirty="0"/>
-              <a:t>总结</a:t>
+              <a:t>单击此处添加总结</a:t>
             </a:r>
           </a:p>
         </p:txBody>
@@ -3606,7 +3606,7 @@
             </a:pPr>
             <a:r>
               <a:rPr lang="zh-CN" altLang="en-US" dirty="0"/>
-              <a:t>第一栏，一级内容</a:t>
+              <a:t>单击此处添加第一栏，一级内容</a:t>
             </a:r>
           </a:p>
           <a:p>
@@ -3751,7 +3751,7 @@
             </a:pPr>
             <a:r>
               <a:rPr lang="zh-CN" altLang="en-US" dirty="0"/>
-              <a:t>第二栏，一级内容</a:t>
+              <a:t>单击此处添加第二栏，一级内容</a:t>
             </a:r>
           </a:p>
           <a:p>
@@ -3983,7 +3983,7 @@
             <a:fld id="{0913FDBA-D011-4A12-B987-F96FF7FE29E7}" type="datetime1">
               <a:rPr lang="zh-CN" altLang="en-US" smtClean="0"/>
               <a:pPr/>
-              <a:t>2025/12/31</a:t>
+              <a:t>2026/1/3</a:t>
             </a:fld>
             <a:endParaRPr lang="zh-CN" altLang="en-US" dirty="0"/>
           </a:p>
@@ -4237,7 +4237,7 @@
             </a:pPr>
             <a:r>
               <a:rPr lang="zh-CN" altLang="en-US" dirty="0"/>
-              <a:t>总结</a:t>
+              <a:t>单击此处添加总结</a:t>
             </a:r>
           </a:p>
         </p:txBody>
@@ -4368,7 +4368,7 @@
             </a:pPr>
             <a:r>
               <a:rPr lang="zh-CN" altLang="en-US" dirty="0"/>
-              <a:t>第一栏，一级内容</a:t>
+              <a:t>单击此处添加第一栏，一级内容</a:t>
             </a:r>
           </a:p>
           <a:p>
@@ -4549,7 +4549,7 @@
             </a:pPr>
             <a:r>
               <a:rPr lang="zh-CN" altLang="en-US" dirty="0"/>
-              <a:t>第二栏，一级内容</a:t>
+              <a:t>单击此处添加第二栏，一级内容</a:t>
             </a:r>
           </a:p>
           <a:p>
@@ -4821,7 +4821,7 @@
             </a:pPr>
             <a:r>
               <a:rPr lang="zh-CN" altLang="en-US" dirty="0"/>
-              <a:t>第三栏，一级内容</a:t>
+              <a:t>单击此处添加第三栏，一级内容</a:t>
             </a:r>
           </a:p>
           <a:p>
@@ -4951,7 +4951,7 @@
             <a:fld id="{0913FDBA-D011-4A12-B987-F96FF7FE29E7}" type="datetime1">
               <a:rPr lang="zh-CN" altLang="en-US" smtClean="0"/>
               <a:pPr/>
-              <a:t>2025/12/31</a:t>
+              <a:t>2026/1/3</a:t>
             </a:fld>
             <a:endParaRPr lang="zh-CN" altLang="en-US" dirty="0"/>
           </a:p>
@@ -5154,7 +5154,7 @@
             </a:pPr>
             <a:r>
               <a:rPr lang="zh-CN" altLang="en-US" dirty="0"/>
-              <a:t>第二栏，一级内容</a:t>
+              <a:t>单击此处添加第二栏，一级内容</a:t>
             </a:r>
           </a:p>
           <a:p>
@@ -5299,7 +5299,7 @@
             </a:pPr>
             <a:r>
               <a:rPr lang="zh-CN" altLang="en-US" dirty="0"/>
-              <a:t>第一栏，一级内容</a:t>
+              <a:t>单击此处添加第一栏，一级内容</a:t>
             </a:r>
           </a:p>
           <a:p>
@@ -5590,7 +5590,7 @@
             </a:pPr>
             <a:r>
               <a:rPr lang="zh-CN" altLang="en-US" dirty="0"/>
-              <a:t>第三栏，一级内容</a:t>
+              <a:t>单击此处添加第三栏，一级内容</a:t>
             </a:r>
           </a:p>
           <a:p>
@@ -5748,7 +5748,7 @@
             <a:fld id="{0913FDBA-D011-4A12-B987-F96FF7FE29E7}" type="datetime1">
               <a:rPr lang="zh-CN" altLang="en-US" smtClean="0"/>
               <a:pPr/>
-              <a:t>2025/12/31</a:t>
+              <a:t>2026/1/3</a:t>
             </a:fld>
             <a:endParaRPr lang="zh-CN" altLang="en-US" dirty="0"/>
           </a:p>
@@ -5962,7 +5962,7 @@
             </a:pPr>
             <a:r>
               <a:rPr lang="zh-CN" altLang="en-US" dirty="0"/>
-              <a:t>第二栏，一级内容</a:t>
+              <a:t>单击此处添加第二栏，一级内容</a:t>
             </a:r>
           </a:p>
           <a:p>
@@ -6149,7 +6149,7 @@
             </a:pPr>
             <a:r>
               <a:rPr lang="zh-CN" altLang="en-US" dirty="0"/>
-              <a:t>第一栏，一级内容</a:t>
+              <a:t>单击此处添加第一栏，一级内容</a:t>
             </a:r>
           </a:p>
           <a:p>
@@ -6481,7 +6481,7 @@
             <a:fld id="{0913FDBA-D011-4A12-B987-F96FF7FE29E7}" type="datetime1">
               <a:rPr lang="zh-CN" altLang="en-US" smtClean="0"/>
               <a:pPr/>
-              <a:t>2025/12/31</a:t>
+              <a:t>2026/1/3</a:t>
             </a:fld>
             <a:endParaRPr lang="zh-CN" altLang="en-US" dirty="0"/>
           </a:p>
@@ -6685,7 +6685,7 @@
             </a:pPr>
             <a:r>
               <a:rPr lang="zh-CN" altLang="en-US" dirty="0"/>
-              <a:t>摘要</a:t>
+              <a:t>单击此处添加摘要</a:t>
             </a:r>
           </a:p>
         </p:txBody>
@@ -6799,7 +6799,7 @@
             </a:pPr>
             <a:r>
               <a:rPr lang="zh-CN" altLang="en-US" dirty="0"/>
-              <a:t>第三栏，一级内容</a:t>
+              <a:t>单击此处添加第三栏，一级内容</a:t>
             </a:r>
           </a:p>
           <a:p>
@@ -6944,7 +6944,7 @@
             </a:pPr>
             <a:r>
               <a:rPr lang="zh-CN" altLang="en-US" dirty="0"/>
-              <a:t>第二栏，一级内容</a:t>
+              <a:t>单击此处添加第二栏，一级内容</a:t>
             </a:r>
           </a:p>
           <a:p>
@@ -7089,7 +7089,7 @@
             </a:pPr>
             <a:r>
               <a:rPr lang="zh-CN" altLang="en-US" dirty="0"/>
-              <a:t>第一栏，一级内容</a:t>
+              <a:t>单击此处添加第一栏，一级内容</a:t>
             </a:r>
           </a:p>
           <a:p>
@@ -7321,7 +7321,7 @@
             <a:fld id="{0913FDBA-D011-4A12-B987-F96FF7FE29E7}" type="datetime1">
               <a:rPr lang="zh-CN" altLang="en-US" smtClean="0"/>
               <a:pPr/>
-              <a:t>2025/12/31</a:t>
+              <a:t>2026/1/3</a:t>
             </a:fld>
             <a:endParaRPr lang="zh-CN" altLang="en-US" dirty="0"/>
           </a:p>
@@ -7525,7 +7525,7 @@
             </a:pPr>
             <a:r>
               <a:rPr lang="zh-CN" altLang="en-US" dirty="0"/>
-              <a:t>摘要</a:t>
+              <a:t>单击此处添加摘要</a:t>
             </a:r>
           </a:p>
         </p:txBody>
@@ -7650,7 +7650,7 @@
             </a:pPr>
             <a:r>
               <a:rPr lang="zh-CN" altLang="en-US" dirty="0"/>
-              <a:t>第三栏，一级内容</a:t>
+              <a:t>单击此处添加第三栏，一级内容</a:t>
             </a:r>
           </a:p>
           <a:p>
@@ -7834,7 +7834,7 @@
             </a:pPr>
             <a:r>
               <a:rPr lang="zh-CN" altLang="en-US" dirty="0"/>
-              <a:t>第二栏，一级内容</a:t>
+              <a:t>单击此处添加第二栏，一级内容</a:t>
             </a:r>
           </a:p>
           <a:p>
@@ -8021,7 +8021,7 @@
             </a:pPr>
             <a:r>
               <a:rPr lang="zh-CN" altLang="en-US" dirty="0"/>
-              <a:t>第一栏，一级内容</a:t>
+              <a:t>单击此处添加第一栏，一级内容</a:t>
             </a:r>
           </a:p>
           <a:p>
@@ -8317,7 +8317,7 @@
             <a:fld id="{0913FDBA-D011-4A12-B987-F96FF7FE29E7}" type="datetime1">
               <a:rPr lang="zh-CN" altLang="en-US" smtClean="0"/>
               <a:pPr/>
-              <a:t>2025/12/31</a:t>
+              <a:t>2026/1/3</a:t>
             </a:fld>
             <a:endParaRPr lang="zh-CN" altLang="en-US" dirty="0"/>
           </a:p>
@@ -8521,7 +8521,7 @@
             </a:pPr>
             <a:r>
               <a:rPr lang="zh-CN" altLang="en-US" dirty="0"/>
-              <a:t>摘要</a:t>
+              <a:t>单击此处添加摘要</a:t>
             </a:r>
           </a:p>
         </p:txBody>
@@ -8635,7 +8635,7 @@
             </a:pPr>
             <a:r>
               <a:rPr lang="zh-CN" altLang="en-US" dirty="0"/>
-              <a:t>第三栏，一级内容</a:t>
+              <a:t>单击此处添加第三栏，一级内容</a:t>
             </a:r>
           </a:p>
           <a:p>
@@ -8780,7 +8780,7 @@
             </a:pPr>
             <a:r>
               <a:rPr lang="zh-CN" altLang="en-US" dirty="0"/>
-              <a:t>第二栏，一级内容</a:t>
+              <a:t>单击此处添加第二栏，一级内容</a:t>
             </a:r>
           </a:p>
           <a:p>
@@ -8925,7 +8925,7 @@
             </a:pPr>
             <a:r>
               <a:rPr lang="zh-CN" altLang="en-US" dirty="0"/>
-              <a:t>第一栏，一级内容</a:t>
+              <a:t>单击此处添加第一栏，一级内容</a:t>
             </a:r>
           </a:p>
           <a:p>
@@ -9505,7 +9505,7 @@
             <a:fld id="{0913FDBA-D011-4A12-B987-F96FF7FE29E7}" type="datetime1">
               <a:rPr lang="zh-CN" altLang="en-US" smtClean="0"/>
               <a:pPr/>
-              <a:t>2025/12/31</a:t>
+              <a:t>2026/1/3</a:t>
             </a:fld>
             <a:endParaRPr lang="zh-CN" altLang="en-US" dirty="0"/>
           </a:p>
@@ -9723,7 +9723,7 @@
             </a:pPr>
             <a:r>
               <a:rPr lang="zh-CN" altLang="en-US" dirty="0"/>
-              <a:t>摘要</a:t>
+              <a:t>单击此处添加摘要</a:t>
             </a:r>
           </a:p>
         </p:txBody>
@@ -10032,7 +10032,7 @@
             </a:pPr>
             <a:r>
               <a:rPr lang="zh-CN" altLang="en-US" dirty="0"/>
-              <a:t>第二栏，一级内容</a:t>
+              <a:t>单击此处添加第二栏，一级内容</a:t>
             </a:r>
           </a:p>
           <a:p>
@@ -10219,7 +10219,7 @@
             </a:pPr>
             <a:r>
               <a:rPr lang="zh-CN" altLang="en-US" dirty="0"/>
-              <a:t>第一栏，一级内容</a:t>
+              <a:t>单击此处添加第一栏，一级内容</a:t>
             </a:r>
           </a:p>
           <a:p>
@@ -10535,7 +10535,7 @@
             <a:fld id="{0913FDBA-D011-4A12-B987-F96FF7FE29E7}" type="datetime1">
               <a:rPr lang="zh-CN" altLang="en-US" smtClean="0"/>
               <a:pPr/>
-              <a:t>2025/12/31</a:t>
+              <a:t>2026/1/3</a:t>
             </a:fld>
             <a:endParaRPr lang="zh-CN" altLang="en-US" dirty="0"/>
           </a:p>
@@ -10711,7 +10711,7 @@
             <a:fld id="{0913FDBA-D011-4A12-B987-F96FF7FE29E7}" type="datetime1">
               <a:rPr lang="zh-CN" altLang="en-US" smtClean="0"/>
               <a:pPr/>
-              <a:t>2025/12/31</a:t>
+              <a:t>2026/1/3</a:t>
             </a:fld>
             <a:endParaRPr lang="zh-CN" altLang="en-US" dirty="0"/>
           </a:p>
@@ -11247,7 +11247,7 @@
             <a:fld id="{0913FDBA-D011-4A12-B987-F96FF7FE29E7}" type="datetime1">
               <a:rPr lang="zh-CN" altLang="en-US" smtClean="0"/>
               <a:pPr/>
-              <a:t>2025/12/31</a:t>
+              <a:t>2026/1/3</a:t>
             </a:fld>
             <a:endParaRPr lang="zh-CN" altLang="en-US" dirty="0"/>
           </a:p>
@@ -11450,7 +11450,7 @@
             </a:pPr>
             <a:r>
               <a:rPr lang="zh-CN" altLang="en-US" dirty="0"/>
-              <a:t>一级内容</a:t>
+              <a:t>单击此处添加一级内容</a:t>
             </a:r>
           </a:p>
           <a:p>
@@ -11718,7 +11718,7 @@
             <a:fld id="{0913FDBA-D011-4A12-B987-F96FF7FE29E7}" type="datetime1">
               <a:rPr lang="zh-CN" altLang="en-US" smtClean="0"/>
               <a:pPr/>
-              <a:t>2025/12/31</a:t>
+              <a:t>2026/1/3</a:t>
             </a:fld>
             <a:endParaRPr lang="zh-CN" altLang="en-US" dirty="0"/>
           </a:p>
@@ -11935,7 +11935,7 @@
             </a:pPr>
             <a:r>
               <a:rPr lang="zh-CN" altLang="en-US" dirty="0"/>
-              <a:t>一级内容</a:t>
+              <a:t>单击此处添加一级内容</a:t>
             </a:r>
           </a:p>
           <a:p>
@@ -12231,7 +12231,7 @@
             <a:fld id="{0913FDBA-D011-4A12-B987-F96FF7FE29E7}" type="datetime1">
               <a:rPr lang="zh-CN" altLang="en-US" smtClean="0"/>
               <a:pPr/>
-              <a:t>2025/12/31</a:t>
+              <a:t>2026/1/3</a:t>
             </a:fld>
             <a:endParaRPr lang="zh-CN" altLang="en-US" dirty="0"/>
           </a:p>
@@ -12434,7 +12434,7 @@
             </a:pPr>
             <a:r>
               <a:rPr lang="zh-CN" altLang="en-US" dirty="0"/>
-              <a:t>一级内容</a:t>
+              <a:t>单击此处添加一级内容</a:t>
             </a:r>
           </a:p>
           <a:p>
@@ -12580,7 +12580,7 @@
             </a:pPr>
             <a:r>
               <a:rPr lang="zh-CN" altLang="en-US" dirty="0"/>
-              <a:t>摘要</a:t>
+              <a:t>单击此处添加摘要</a:t>
             </a:r>
           </a:p>
         </p:txBody>
@@ -12820,7 +12820,7 @@
             <a:fld id="{0913FDBA-D011-4A12-B987-F96FF7FE29E7}" type="datetime1">
               <a:rPr lang="zh-CN" altLang="en-US" smtClean="0"/>
               <a:pPr/>
-              <a:t>2025/12/31</a:t>
+              <a:t>2026/1/3</a:t>
             </a:fld>
             <a:endParaRPr lang="zh-CN" altLang="en-US" dirty="0"/>
           </a:p>
@@ -13024,7 +13024,7 @@
             </a:pPr>
             <a:r>
               <a:rPr lang="zh-CN" altLang="en-US" dirty="0"/>
-              <a:t>摘要</a:t>
+              <a:t>单击此处添加摘要</a:t>
             </a:r>
           </a:p>
         </p:txBody>
@@ -13155,7 +13155,7 @@
             </a:pPr>
             <a:r>
               <a:rPr lang="zh-CN" altLang="en-US" dirty="0"/>
-              <a:t>一级内容</a:t>
+              <a:t>单击此处添加一级内容</a:t>
             </a:r>
           </a:p>
           <a:p>
@@ -13451,7 +13451,7 @@
             <a:fld id="{0913FDBA-D011-4A12-B987-F96FF7FE29E7}" type="datetime1">
               <a:rPr lang="zh-CN" altLang="en-US" smtClean="0"/>
               <a:pPr/>
-              <a:t>2025/12/31</a:t>
+              <a:t>2026/1/3</a:t>
             </a:fld>
             <a:endParaRPr lang="zh-CN" altLang="en-US" dirty="0"/>
           </a:p>
@@ -13654,7 +13654,7 @@
             </a:pPr>
             <a:r>
               <a:rPr lang="zh-CN" altLang="en-US" dirty="0"/>
-              <a:t>一级内容</a:t>
+              <a:t>单击此处添加一级内容</a:t>
             </a:r>
           </a:p>
           <a:p>
@@ -13800,7 +13800,7 @@
             </a:pPr>
             <a:r>
               <a:rPr lang="zh-CN" altLang="en-US" dirty="0"/>
-              <a:t>总结</a:t>
+              <a:t>单击此处添加总结</a:t>
             </a:r>
           </a:p>
         </p:txBody>
@@ -14040,7 +14040,7 @@
             <a:fld id="{0913FDBA-D011-4A12-B987-F96FF7FE29E7}" type="datetime1">
               <a:rPr lang="zh-CN" altLang="en-US" smtClean="0"/>
               <a:pPr/>
-              <a:t>2025/12/31</a:t>
+              <a:t>2026/1/3</a:t>
             </a:fld>
             <a:endParaRPr lang="zh-CN" altLang="en-US" dirty="0"/>
           </a:p>
@@ -14257,7 +14257,7 @@
             </a:pPr>
             <a:r>
               <a:rPr lang="zh-CN" altLang="en-US" dirty="0"/>
-              <a:t>一级内容</a:t>
+              <a:t>单击此处添加一级内容</a:t>
             </a:r>
           </a:p>
           <a:p>
@@ -14445,7 +14445,7 @@
             </a:pPr>
             <a:r>
               <a:rPr lang="zh-CN" altLang="en-US" dirty="0"/>
-              <a:t>总结</a:t>
+              <a:t>单击此处添加总结</a:t>
             </a:r>
           </a:p>
         </p:txBody>
@@ -14649,7 +14649,7 @@
             <a:fld id="{0913FDBA-D011-4A12-B987-F96FF7FE29E7}" type="datetime1">
               <a:rPr lang="zh-CN" altLang="en-US" smtClean="0"/>
               <a:pPr/>
-              <a:t>2025/12/31</a:t>
+              <a:t>2026/1/3</a:t>
             </a:fld>
             <a:endParaRPr lang="zh-CN" altLang="en-US" dirty="0"/>
           </a:p>
@@ -14888,7 +14888,7 @@
             </a:pPr>
             <a:r>
               <a:rPr lang="zh-CN" altLang="en-US" dirty="0"/>
-              <a:t>第一栏，一级内容</a:t>
+              <a:t>单击此处添加第一栏，一级内容</a:t>
             </a:r>
           </a:p>
           <a:p>
@@ -15033,7 +15033,7 @@
             </a:pPr>
             <a:r>
               <a:rPr lang="zh-CN" altLang="en-US" dirty="0"/>
-              <a:t>第二栏，一级内容</a:t>
+              <a:t>单击此处添加第二栏，一级内容</a:t>
             </a:r>
           </a:p>
           <a:p>
@@ -15157,7 +15157,7 @@
             <a:fld id="{0913FDBA-D011-4A12-B987-F96FF7FE29E7}" type="datetime1">
               <a:rPr lang="zh-CN" altLang="en-US" smtClean="0"/>
               <a:pPr/>
-              <a:t>2025/12/31</a:t>
+              <a:t>2026/1/3</a:t>
             </a:fld>
             <a:endParaRPr lang="zh-CN" altLang="en-US" dirty="0"/>
           </a:p>
@@ -16436,7 +16436,7 @@
             <a:fld id="{0913FDBA-D011-4A12-B987-F96FF7FE29E7}" type="datetime1">
               <a:rPr lang="zh-CN" altLang="en-US" smtClean="0"/>
               <a:pPr/>
-              <a:t>2025/12/31</a:t>
+              <a:t>2026/1/3</a:t>
             </a:fld>
             <a:endParaRPr lang="zh-CN" altLang="en-US" dirty="0"/>
           </a:p>
@@ -16923,7 +16923,7 @@
             <a:fld id="{0913FDBA-D011-4A12-B987-F96FF7FE29E7}" type="datetime1">
               <a:rPr lang="zh-CN" altLang="en-US" smtClean="0"/>
               <a:pPr/>
-              <a:t>2025/12/31</a:t>
+              <a:t>2026/1/3</a:t>
             </a:fld>
             <a:endParaRPr lang="zh-CN" altLang="en-US" dirty="0"/>
           </a:p>
@@ -17256,7 +17256,7 @@
             <a:fld id="{0913FDBA-D011-4A12-B987-F96FF7FE29E7}" type="datetime1">
               <a:rPr lang="zh-CN" altLang="en-US" smtClean="0"/>
               <a:pPr/>
-              <a:t>2025/12/31</a:t>
+              <a:t>2026/1/3</a:t>
             </a:fld>
             <a:endParaRPr lang="zh-CN" altLang="en-US" dirty="0"/>
           </a:p>
